--- a/Project Earworm.pptx
+++ b/Project Earworm.pptx
@@ -203,7 +203,7 @@
             <a:fld id="{A8ADFD5B-A66C-449C-B6E8-FB716D07777D}" type="datetimeFigureOut">
               <a:rPr lang="en-US" smtClean="0"/>
               <a:pPr/>
-              <a:t>2/20/2024</a:t>
+              <a:t>2/23/2024</a:t>
             </a:fld>
             <a:endParaRPr lang="en-US"/>
           </a:p>
@@ -528,7 +528,15 @@
             <a:extLst/>
           </a:lstStyle>
           <a:p>
-            <a:endParaRPr lang="en-US"/>
+            <a:r>
+              <a:rPr lang="en-US" dirty="0" smtClean="0"/>
+              <a:t>Hello,</a:t>
+            </a:r>
+            <a:r>
+              <a:rPr lang="en-US" baseline="0" dirty="0" smtClean="0"/>
+              <a:t> My name is Trevor Howat, and this is my course project for Software Engineering 861: Project Earworm</a:t>
+            </a:r>
+            <a:endParaRPr lang="en-US" dirty="0"/>
           </a:p>
         </p:txBody>
       </p:sp>
@@ -696,7 +704,15 @@
             <a:extLst/>
           </a:lstStyle>
           <a:p>
-            <a:endParaRPr lang="en-US"/>
+            <a:r>
+              <a:rPr lang="en-US" dirty="0" smtClean="0"/>
+              <a:t>In</a:t>
+            </a:r>
+            <a:r>
+              <a:rPr lang="en-US" baseline="0" dirty="0" smtClean="0"/>
+              <a:t> this presentation, I will discuss the outline for the project, the design and process I went through when planning this project, the challenges and opportunities I faced while making the project, and a demonstration of the final product at the end.</a:t>
+            </a:r>
+            <a:endParaRPr lang="en-US" dirty="0"/>
           </a:p>
         </p:txBody>
       </p:sp>
@@ -780,7 +796,23 @@
             <a:extLst/>
           </a:lstStyle>
           <a:p>
-            <a:endParaRPr lang="en-US"/>
+            <a:r>
+              <a:rPr lang="en-US" dirty="0" smtClean="0"/>
+              <a:t>Project Earworm is a music lookup software that allows the user to search</a:t>
+            </a:r>
+            <a:r>
+              <a:rPr lang="en-US" baseline="0" dirty="0" smtClean="0"/>
+              <a:t> Songs and Artists. The name Earworm refers to a catchy tune that gets stuck in your head, and I thought it would be a fun name for the software. The software utilizes the vast music library and API of </a:t>
+            </a:r>
+            <a:r>
+              <a:rPr lang="en-US" baseline="0" dirty="0" err="1" smtClean="0"/>
+              <a:t>Spotify</a:t>
+            </a:r>
+            <a:r>
+              <a:rPr lang="en-US" baseline="0" dirty="0" smtClean="0"/>
+              <a:t>. Users search in a UI and the results are displayed on an easy to read table.</a:t>
+            </a:r>
+            <a:endParaRPr lang="en-US" dirty="0"/>
           </a:p>
         </p:txBody>
       </p:sp>
@@ -864,7 +896,158 @@
             <a:extLst/>
           </a:lstStyle>
           <a:p>
-            <a:endParaRPr lang="en-US"/>
+            <a:r>
+              <a:rPr lang="en-US" dirty="0" smtClean="0"/>
+              <a:t>When planning</a:t>
+            </a:r>
+            <a:r>
+              <a:rPr lang="en-US" baseline="0" dirty="0" smtClean="0"/>
+              <a:t> the project, one of the first decisions I made was to use the C# language, as I have about 18 months experience using C# to make both frontend web apps and backend web services in my career as a software engineer. While building these from scratch is still new, I figured it would help if I at least chose a base language where I had done similar work. </a:t>
+            </a:r>
+          </a:p>
+          <a:p>
+            <a:r>
+              <a:rPr lang="en-US" baseline="0" dirty="0" smtClean="0"/>
+              <a:t>The frontend is in </a:t>
+            </a:r>
+            <a:r>
+              <a:rPr lang="en-US" baseline="0" dirty="0" err="1" smtClean="0"/>
+              <a:t>Blazor</a:t>
+            </a:r>
+            <a:r>
+              <a:rPr lang="en-US" baseline="0" dirty="0" smtClean="0"/>
+              <a:t>, a web application image that allows you to imbed C# code into HTML.</a:t>
+            </a:r>
+          </a:p>
+          <a:p>
+            <a:r>
+              <a:rPr lang="en-US" baseline="0" dirty="0" smtClean="0"/>
+              <a:t>The backend is built off of the </a:t>
+            </a:r>
+            <a:r>
+              <a:rPr lang="en-US" baseline="0" dirty="0" err="1" smtClean="0"/>
+              <a:t>Spotify</a:t>
+            </a:r>
+            <a:r>
+              <a:rPr lang="en-US" baseline="0" dirty="0" smtClean="0"/>
+              <a:t> web API, and my local service uses a FOSS library called </a:t>
+            </a:r>
+            <a:r>
+              <a:rPr lang="en-US" baseline="0" dirty="0" err="1" smtClean="0"/>
+              <a:t>SpotifyAPI</a:t>
+            </a:r>
+            <a:r>
+              <a:rPr lang="en-US" baseline="0" dirty="0" smtClean="0"/>
+              <a:t>-NET to connect to and call the </a:t>
+            </a:r>
+            <a:r>
+              <a:rPr lang="en-US" baseline="0" dirty="0" err="1" smtClean="0"/>
+              <a:t>Spotify</a:t>
+            </a:r>
+            <a:r>
+              <a:rPr lang="en-US" baseline="0" dirty="0" smtClean="0"/>
+              <a:t> Web Service.</a:t>
+            </a:r>
+          </a:p>
+          <a:p>
+            <a:r>
+              <a:rPr lang="en-US" baseline="0" dirty="0" smtClean="0"/>
+              <a:t>Both Unit tests and Integration tests are written in C# using </a:t>
+            </a:r>
+            <a:r>
+              <a:rPr lang="en-US" baseline="0" dirty="0" err="1" smtClean="0"/>
+              <a:t>Nunit</a:t>
+            </a:r>
+            <a:r>
+              <a:rPr lang="en-US" baseline="0" dirty="0" smtClean="0"/>
+              <a:t> standards.</a:t>
+            </a:r>
+          </a:p>
+          <a:p>
+            <a:r>
+              <a:rPr lang="en-US" baseline="0" dirty="0" smtClean="0"/>
+              <a:t>The Service and Web UI are also deployed as </a:t>
+            </a:r>
+            <a:r>
+              <a:rPr lang="en-US" baseline="0" dirty="0" err="1" smtClean="0"/>
+              <a:t>docker</a:t>
+            </a:r>
+            <a:r>
+              <a:rPr lang="en-US" baseline="0" dirty="0" smtClean="0"/>
+              <a:t> images and run on </a:t>
+            </a:r>
+            <a:r>
+              <a:rPr lang="en-US" baseline="0" dirty="0" err="1" smtClean="0"/>
+              <a:t>docker</a:t>
+            </a:r>
+            <a:r>
+              <a:rPr lang="en-US" baseline="0" dirty="0" smtClean="0"/>
+              <a:t> containers.</a:t>
+            </a:r>
+          </a:p>
+          <a:p>
+            <a:r>
+              <a:rPr lang="en-US" baseline="0" dirty="0" smtClean="0"/>
+              <a:t>For version control, I used </a:t>
+            </a:r>
+            <a:r>
+              <a:rPr lang="en-US" baseline="0" dirty="0" err="1" smtClean="0"/>
+              <a:t>Github</a:t>
+            </a:r>
+            <a:r>
+              <a:rPr lang="en-US" baseline="0" dirty="0" smtClean="0"/>
+              <a:t>.</a:t>
+            </a:r>
+          </a:p>
+          <a:p>
+            <a:endParaRPr lang="en-US" baseline="0" dirty="0" smtClean="0"/>
+          </a:p>
+          <a:p>
+            <a:r>
+              <a:rPr lang="en-US" baseline="0" dirty="0" smtClean="0"/>
+              <a:t>As you can see in the diagram, the database and web API that accesses it is </a:t>
+            </a:r>
+            <a:r>
+              <a:rPr lang="en-US" baseline="0" dirty="0" err="1" smtClean="0"/>
+              <a:t>Spotify’s</a:t>
+            </a:r>
+            <a:r>
+              <a:rPr lang="en-US" baseline="0" dirty="0" smtClean="0"/>
+              <a:t> external library and API. I have build a local web service that calls the </a:t>
+            </a:r>
+            <a:r>
+              <a:rPr lang="en-US" baseline="0" dirty="0" err="1" smtClean="0"/>
+              <a:t>SpotifyWebAPI</a:t>
+            </a:r>
+            <a:r>
+              <a:rPr lang="en-US" baseline="0" dirty="0" smtClean="0"/>
+              <a:t> using </a:t>
+            </a:r>
+            <a:r>
+              <a:rPr lang="en-US" baseline="0" dirty="0" err="1" smtClean="0"/>
+              <a:t>SpotifyAPI</a:t>
+            </a:r>
+            <a:r>
+              <a:rPr lang="en-US" baseline="0" dirty="0" smtClean="0"/>
+              <a:t>-NET and runs in a </a:t>
+            </a:r>
+            <a:r>
+              <a:rPr lang="en-US" baseline="0" dirty="0" err="1" smtClean="0"/>
+              <a:t>docker</a:t>
+            </a:r>
+            <a:r>
+              <a:rPr lang="en-US" baseline="0" dirty="0" smtClean="0"/>
+              <a:t> container. There is a middle layer client proxy that calls my local service and returns formatted responses to the front end web app, which runs in a second </a:t>
+            </a:r>
+            <a:r>
+              <a:rPr lang="en-US" baseline="0" dirty="0" err="1" smtClean="0"/>
+              <a:t>docker</a:t>
+            </a:r>
+            <a:r>
+              <a:rPr lang="en-US" baseline="0" smtClean="0"/>
+              <a:t> container.</a:t>
+            </a:r>
+            <a:endParaRPr lang="en-US" dirty="0"/>
           </a:p>
         </p:txBody>
       </p:sp>
@@ -1593,7 +1776,7 @@
                 </a:solidFill>
               </a:rPr>
               <a:pPr algn="ctr"/>
-              <a:t>2/20/2024</a:t>
+              <a:t>2/23/2024</a:t>
             </a:fld>
             <a:endParaRPr lang="en-US" sz="2000" dirty="0">
               <a:solidFill>
@@ -1790,7 +1973,7 @@
             <a:fld id="{E4606EA6-EFEA-4C30-9264-4F9291A5780D}" type="datetime1">
               <a:rPr lang="en-US" smtClean="0"/>
               <a:pPr/>
-              <a:t>2/20/2024</a:t>
+              <a:t>2/23/2024</a:t>
             </a:fld>
             <a:endParaRPr lang="en-US"/>
           </a:p>
@@ -2221,7 +2404,7 @@
             <a:fld id="{6FCF9F07-3BC7-4570-B054-79111B0A380C}" type="datetime1">
               <a:rPr lang="en-US" smtClean="0"/>
               <a:pPr/>
-              <a:t>2/20/2024</a:t>
+              <a:t>2/23/2024</a:t>
             </a:fld>
             <a:endParaRPr lang="en-US"/>
           </a:p>
@@ -2485,7 +2668,7 @@
             <a:fld id="{E4606EA6-EFEA-4C30-9264-4F9291A5780D}" type="datetime1">
               <a:rPr lang="en-US" smtClean="0"/>
               <a:pPr/>
-              <a:t>2/20/2024</a:t>
+              <a:t>2/23/2024</a:t>
             </a:fld>
             <a:endParaRPr lang="en-US"/>
           </a:p>
@@ -2739,7 +2922,7 @@
             <a:fld id="{E4606EA6-EFEA-4C30-9264-4F9291A5780D}" type="datetime1">
               <a:rPr lang="en-US" smtClean="0"/>
               <a:pPr/>
-              <a:t>2/20/2024</a:t>
+              <a:t>2/23/2024</a:t>
             </a:fld>
             <a:endParaRPr lang="en-US"/>
           </a:p>
@@ -2951,7 +3134,7 @@
             <a:fld id="{6DFADB5D-B7A0-47E3-AD2D-B1A6F8614213}" type="datetime1">
               <a:rPr lang="en-US" smtClean="0"/>
               <a:pPr/>
-              <a:t>2/20/2024</a:t>
+              <a:t>2/23/2024</a:t>
             </a:fld>
             <a:endParaRPr lang="en-US"/>
           </a:p>
@@ -3064,7 +3247,7 @@
             <a:fld id="{72968126-03FC-49C0-B9B8-2B561CCC3D90}" type="datetime1">
               <a:rPr lang="en-US" smtClean="0"/>
               <a:pPr/>
-              <a:t>2/20/2024</a:t>
+              <a:t>2/23/2024</a:t>
             </a:fld>
             <a:endParaRPr lang="en-US"/>
           </a:p>
@@ -3216,7 +3399,7 @@
             <a:fld id="{F49A8198-4617-485E-9585-4840B69DBBA6}" type="datetime1">
               <a:rPr lang="en-US" smtClean="0"/>
               <a:pPr/>
-              <a:t>2/20/2024</a:t>
+              <a:t>2/23/2024</a:t>
             </a:fld>
             <a:endParaRPr lang="en-US"/>
           </a:p>
@@ -3804,7 +3987,7 @@
             <a:fld id="{E4606EA6-EFEA-4C30-9264-4F9291A5780D}" type="datetime1">
               <a:rPr lang="en-US" smtClean="0"/>
               <a:pPr/>
-              <a:t>2/20/2024</a:t>
+              <a:t>2/23/2024</a:t>
             </a:fld>
             <a:endParaRPr lang="en-US"/>
           </a:p>
@@ -4004,7 +4187,7 @@
             <a:fld id="{E4606EA6-EFEA-4C30-9264-4F9291A5780D}" type="datetime1">
               <a:rPr lang="en-US" smtClean="0"/>
               <a:pPr/>
-              <a:t>2/20/2024</a:t>
+              <a:t>2/23/2024</a:t>
             </a:fld>
             <a:endParaRPr lang="en-US" sz="1400" dirty="0">
               <a:solidFill>
@@ -5052,7 +5235,6 @@
               <a:rPr lang="en-US" dirty="0" smtClean="0"/>
               <a:t>Demonstration</a:t>
             </a:r>
-            <a:endParaRPr lang="en-US" dirty="0" smtClean="0"/>
           </a:p>
         </p:txBody>
       </p:sp>

--- a/Project Earworm.pptx
+++ b/Project Earworm.pptx
@@ -5,7 +5,7 @@
     <p:sldMasterId id="2147483648" r:id="rId1"/>
   </p:sldMasterIdLst>
   <p:notesMasterIdLst>
-    <p:notesMasterId r:id="rId13"/>
+    <p:notesMasterId r:id="rId14"/>
   </p:notesMasterIdLst>
   <p:sldIdLst>
     <p:sldId id="256" r:id="rId2"/>
@@ -18,7 +18,8 @@
     <p:sldId id="267" r:id="rId9"/>
     <p:sldId id="268" r:id="rId10"/>
     <p:sldId id="269" r:id="rId11"/>
-    <p:sldId id="264" r:id="rId12"/>
+    <p:sldId id="270" r:id="rId12"/>
+    <p:sldId id="264" r:id="rId13"/>
   </p:sldIdLst>
   <p:sldSz cx="9144000" cy="5143500" type="screen16x9"/>
   <p:notesSz cx="6858000" cy="9144000"/>
@@ -203,7 +204,7 @@
             <a:fld id="{A8ADFD5B-A66C-449C-B6E8-FB716D07777D}" type="datetimeFigureOut">
               <a:rPr lang="en-US" smtClean="0"/>
               <a:pPr/>
-              <a:t>2/23/2024</a:t>
+              <a:t>2/24/2024</a:t>
             </a:fld>
             <a:endParaRPr lang="en-US"/>
           </a:p>
@@ -620,13 +621,107 @@
             <a:extLst/>
           </a:lstStyle>
           <a:p>
+            <a:endParaRPr lang="en-US" dirty="0"/>
+          </a:p>
+        </p:txBody>
+      </p:sp>
+      <p:sp>
+        <p:nvSpPr>
+          <p:cNvPr id="4" name="Rectangle 3"/>
+          <p:cNvSpPr>
+            <a:spLocks noGrp="1"/>
+          </p:cNvSpPr>
+          <p:nvPr>
+            <p:ph type="sldNum" sz="quarter" idx="10"/>
+          </p:nvPr>
+        </p:nvSpPr>
+        <p:spPr/>
+        <p:txBody>
+          <a:bodyPr/>
+          <a:lstStyle>
+            <a:extLst/>
+          </a:lstStyle>
+          <a:p>
+            <a:fld id="{CA5D3BF3-D352-46FC-8343-31F56E6730EA}" type="slidenum">
+              <a:rPr lang="en-US" smtClean="0"/>
+              <a:pPr/>
+              <a:t>10</a:t>
+            </a:fld>
             <a:endParaRPr lang="en-US"/>
           </a:p>
         </p:txBody>
       </p:sp>
-      <p:sp>
-        <p:nvSpPr>
-          <p:cNvPr id="4" name="Rectangle 3"/>
+    </p:spTree>
+  </p:cSld>
+  <p:clrMapOvr>
+    <a:masterClrMapping/>
+  </p:clrMapOvr>
+</p:notes>
+</file>
+
+<file path=ppt/notesSlides/notesSlide11.xml><?xml version="1.0" encoding="utf-8"?>
+<p:notes xmlns:a="http://schemas.openxmlformats.org/drawingml/2006/main" xmlns:r="http://schemas.openxmlformats.org/officeDocument/2006/relationships" xmlns:p="http://schemas.openxmlformats.org/presentationml/2006/main">
+  <p:cSld>
+    <p:spTree>
+      <p:nvGrpSpPr>
+        <p:cNvPr id="1" name=""/>
+        <p:cNvGrpSpPr/>
+        <p:nvPr/>
+      </p:nvGrpSpPr>
+      <p:grpSpPr>
+        <a:xfrm>
+          <a:off x="0" y="0"/>
+          <a:ext cx="0" cy="0"/>
+          <a:chOff x="0" y="0"/>
+          <a:chExt cx="0" cy="0"/>
+        </a:xfrm>
+      </p:grpSpPr>
+      <p:sp>
+        <p:nvSpPr>
+          <p:cNvPr id="2" name="Slide Image Placeholder 1"/>
+          <p:cNvSpPr>
+            <a:spLocks noGrp="1" noRot="1" noChangeAspect="1"/>
+          </p:cNvSpPr>
+          <p:nvPr>
+            <p:ph type="sldImg"/>
+          </p:nvPr>
+        </p:nvSpPr>
+        <p:spPr/>
+      </p:sp>
+      <p:sp>
+        <p:nvSpPr>
+          <p:cNvPr id="3" name="Notes Placeholder 2"/>
+          <p:cNvSpPr>
+            <a:spLocks noGrp="1"/>
+          </p:cNvSpPr>
+          <p:nvPr>
+            <p:ph type="body" idx="1"/>
+          </p:nvPr>
+        </p:nvSpPr>
+        <p:spPr/>
+        <p:txBody>
+          <a:bodyPr/>
+          <a:lstStyle/>
+          <a:p>
+            <a:r>
+              <a:rPr lang="en-US" dirty="0" smtClean="0"/>
+              <a:t>The</a:t>
+            </a:r>
+            <a:r>
+              <a:rPr lang="en-US" baseline="0" dirty="0" smtClean="0"/>
+              <a:t> biggest lesson I learned through this project is despite detailed planning, things can still go wrong. The planning stage turned out to be the most difficult part of the project, and I underestimated how long many steps would take me, causing me to fall behind. I relied on my experience working with frontends and web services in C#, but when it came time to create them, I realized that I had never worked on one from scratch, so much of the initial setup was foreign to me. I also could not reference other areas of a large code base like I can at work. Existing code did not exist, as this was being started from scratch. I do not regret the choices I made for the structure of the project, I just wish I had provided myself more time to work out the kinks early on, so I could fully flush out the tests and </a:t>
+            </a:r>
+            <a:r>
+              <a:rPr lang="en-US" baseline="0" smtClean="0"/>
+              <a:t>final product in the end.</a:t>
+            </a:r>
+            <a:endParaRPr lang="en-US" dirty="0"/>
+          </a:p>
+        </p:txBody>
+      </p:sp>
+      <p:sp>
+        <p:nvSpPr>
+          <p:cNvPr id="4" name="Slide Number Placeholder 3"/>
           <p:cNvSpPr>
             <a:spLocks noGrp="1"/>
           </p:cNvSpPr>
@@ -637,14 +732,101 @@
         <p:spPr/>
         <p:txBody>
           <a:bodyPr/>
-          <a:lstStyle>
-            <a:extLst/>
-          </a:lstStyle>
+          <a:lstStyle/>
           <a:p>
             <a:fld id="{CA5D3BF3-D352-46FC-8343-31F56E6730EA}" type="slidenum">
               <a:rPr lang="en-US" smtClean="0"/>
               <a:pPr/>
               <a:t>11</a:t>
+            </a:fld>
+            <a:endParaRPr lang="en-US"/>
+          </a:p>
+        </p:txBody>
+      </p:sp>
+    </p:spTree>
+    <p:extLst>
+      <p:ext uri="{BB962C8B-B14F-4D97-AF65-F5344CB8AC3E}">
+        <p14:creationId xmlns:p14="http://schemas.microsoft.com/office/powerpoint/2010/main" val="398373566"/>
+      </p:ext>
+    </p:extLst>
+  </p:cSld>
+  <p:clrMapOvr>
+    <a:masterClrMapping/>
+  </p:clrMapOvr>
+</p:notes>
+</file>
+
+<file path=ppt/notesSlides/notesSlide12.xml><?xml version="1.0" encoding="utf-8"?>
+<p:notes xmlns:a="http://schemas.openxmlformats.org/drawingml/2006/main" xmlns:r="http://schemas.openxmlformats.org/officeDocument/2006/relationships" xmlns:p="http://schemas.openxmlformats.org/presentationml/2006/main">
+  <p:cSld>
+    <p:spTree>
+      <p:nvGrpSpPr>
+        <p:cNvPr id="1" name=""/>
+        <p:cNvGrpSpPr/>
+        <p:nvPr/>
+      </p:nvGrpSpPr>
+      <p:grpSpPr>
+        <a:xfrm>
+          <a:off x="0" y="0"/>
+          <a:ext cx="0" cy="0"/>
+          <a:chOff x="0" y="0"/>
+          <a:chExt cx="0" cy="0"/>
+        </a:xfrm>
+      </p:grpSpPr>
+      <p:sp>
+        <p:nvSpPr>
+          <p:cNvPr id="2" name="Rectangle 1"/>
+          <p:cNvSpPr>
+            <a:spLocks noGrp="1" noRot="1" noChangeAspect="1"/>
+          </p:cNvSpPr>
+          <p:nvPr>
+            <p:ph type="sldImg"/>
+          </p:nvPr>
+        </p:nvSpPr>
+        <p:spPr/>
+      </p:sp>
+      <p:sp>
+        <p:nvSpPr>
+          <p:cNvPr id="3" name="Rectangle 2"/>
+          <p:cNvSpPr>
+            <a:spLocks noGrp="1"/>
+          </p:cNvSpPr>
+          <p:nvPr>
+            <p:ph type="body" idx="1"/>
+          </p:nvPr>
+        </p:nvSpPr>
+        <p:spPr/>
+        <p:txBody>
+          <a:bodyPr/>
+          <a:lstStyle>
+            <a:extLst/>
+          </a:lstStyle>
+          <a:p>
+            <a:endParaRPr lang="en-US" dirty="0"/>
+          </a:p>
+        </p:txBody>
+      </p:sp>
+      <p:sp>
+        <p:nvSpPr>
+          <p:cNvPr id="4" name="Rectangle 3"/>
+          <p:cNvSpPr>
+            <a:spLocks noGrp="1"/>
+          </p:cNvSpPr>
+          <p:nvPr>
+            <p:ph type="sldNum" sz="quarter" idx="10"/>
+          </p:nvPr>
+        </p:nvSpPr>
+        <p:spPr/>
+        <p:txBody>
+          <a:bodyPr/>
+          <a:lstStyle>
+            <a:extLst/>
+          </a:lstStyle>
+          <a:p>
+            <a:fld id="{CA5D3BF3-D352-46FC-8343-31F56E6730EA}" type="slidenum">
+              <a:rPr lang="en-US" smtClean="0"/>
+              <a:pPr/>
+              <a:t>12</a:t>
             </a:fld>
             <a:endParaRPr lang="en-US"/>
           </a:p>
@@ -1104,7 +1286,7 @@
       </p:grpSpPr>
       <p:sp>
         <p:nvSpPr>
-          <p:cNvPr id="2" name="Rectangle 1"/>
+          <p:cNvPr id="2" name="Slide Image Placeholder 1"/>
           <p:cNvSpPr>
             <a:spLocks noGrp="1" noRot="1" noChangeAspect="1"/>
           </p:cNvSpPr>
@@ -1116,7 +1298,7 @@
       </p:sp>
       <p:sp>
         <p:nvSpPr>
-          <p:cNvPr id="3" name="Rectangle 2"/>
+          <p:cNvPr id="3" name="Notes Placeholder 2"/>
           <p:cNvSpPr>
             <a:spLocks noGrp="1"/>
           </p:cNvSpPr>
@@ -1127,17 +1309,105 @@
         <p:spPr/>
         <p:txBody>
           <a:bodyPr/>
-          <a:lstStyle>
-            <a:extLst/>
-          </a:lstStyle>
-          <a:p>
-            <a:endParaRPr lang="en-US"/>
-          </a:p>
-        </p:txBody>
-      </p:sp>
-      <p:sp>
-        <p:nvSpPr>
-          <p:cNvPr id="4" name="Rectangle 3"/>
+          <a:lstStyle/>
+          <a:p>
+            <a:r>
+              <a:rPr lang="en-US" dirty="0" smtClean="0"/>
+              <a:t>While building the project, I ran</a:t>
+            </a:r>
+            <a:r>
+              <a:rPr lang="en-US" baseline="0" dirty="0" smtClean="0"/>
+              <a:t> into many challenges and opportunities. </a:t>
+            </a:r>
+            <a:r>
+              <a:rPr lang="en-US" baseline="0" dirty="0" err="1" smtClean="0"/>
+              <a:t>Docker</a:t>
+            </a:r>
+            <a:r>
+              <a:rPr lang="en-US" baseline="0" dirty="0" smtClean="0"/>
+              <a:t> proved to be far more of a challenge than I anticipated. While I was familiar with the concept of </a:t>
+            </a:r>
+            <a:r>
+              <a:rPr lang="en-US" baseline="0" dirty="0" err="1" smtClean="0"/>
+              <a:t>docker</a:t>
+            </a:r>
+            <a:r>
+              <a:rPr lang="en-US" baseline="0" dirty="0" smtClean="0"/>
+              <a:t>, I had never used it before. The amount of time spent trying to work out the kinks of </a:t>
+            </a:r>
+            <a:r>
+              <a:rPr lang="en-US" baseline="0" dirty="0" err="1" smtClean="0"/>
+              <a:t>docker</a:t>
+            </a:r>
+            <a:r>
+              <a:rPr lang="en-US" baseline="0" dirty="0" smtClean="0"/>
+              <a:t> was far greater than I expected, and this threw off my scheduled plan. I had to pivot to try and simply get the minimum viable product and then enhance from there. As a result, stretch goals were not reached, tests are not as robust as I wanted, and the frontend is not as nice looking as I had hoped.</a:t>
+            </a:r>
+          </a:p>
+          <a:p>
+            <a:endParaRPr lang="en-US" baseline="0" dirty="0" smtClean="0"/>
+          </a:p>
+          <a:p>
+            <a:r>
+              <a:rPr lang="en-US" baseline="0" dirty="0" smtClean="0"/>
+              <a:t>The frontend also proved a challenge in its own right as I have more experience in backend work, and hooking the frontend to the backend was particularly difficult. Luckily, I was working in a language I was familiar with, and encountered some errors I had seen before and knew how to fix. (Opportunity to show code for </a:t>
+            </a:r>
+            <a:r>
+              <a:rPr lang="en-US" baseline="0" dirty="0" err="1" smtClean="0"/>
+              <a:t>Task.Run</a:t>
+            </a:r>
+            <a:r>
+              <a:rPr lang="en-US" baseline="0" dirty="0" smtClean="0"/>
+              <a:t>)</a:t>
+            </a:r>
+          </a:p>
+          <a:p>
+            <a:endParaRPr lang="en-US" baseline="0" dirty="0" smtClean="0"/>
+          </a:p>
+          <a:p>
+            <a:r>
+              <a:rPr lang="en-US" baseline="0" dirty="0" smtClean="0"/>
+              <a:t>Despite the challenges, I am grateful I took on technologies I was unfamiliar with. Working through the issues with </a:t>
+            </a:r>
+            <a:r>
+              <a:rPr lang="en-US" baseline="0" dirty="0" err="1" smtClean="0"/>
+              <a:t>docker</a:t>
+            </a:r>
+            <a:r>
+              <a:rPr lang="en-US" baseline="0" dirty="0" smtClean="0"/>
+              <a:t> left me with a far greater </a:t>
+            </a:r>
+            <a:r>
+              <a:rPr lang="en-US" baseline="0" dirty="0" err="1" smtClean="0"/>
+              <a:t>understading</a:t>
+            </a:r>
+            <a:r>
+              <a:rPr lang="en-US" baseline="0" dirty="0" smtClean="0"/>
+              <a:t> of how it works, and it is already paying off in my career at work, as I am using </a:t>
+            </a:r>
+            <a:r>
+              <a:rPr lang="en-US" baseline="0" dirty="0" err="1" smtClean="0"/>
+              <a:t>Docker</a:t>
+            </a:r>
+            <a:r>
+              <a:rPr lang="en-US" baseline="0" dirty="0" smtClean="0"/>
+              <a:t> the new project I am with. There are also further opportunities that are set up should I continue to work on this project as a learning exercise. These future opportunities include Searching for albums, creating a CI/CD Pipeline, adding configuration for the service, rather than a hardcoded </a:t>
+            </a:r>
+            <a:r>
+              <a:rPr lang="en-US" baseline="0" dirty="0" err="1" smtClean="0"/>
+              <a:t>url</a:t>
+            </a:r>
+            <a:r>
+              <a:rPr lang="en-US" baseline="0" dirty="0" smtClean="0"/>
+              <a:t>, and creating more detailed display of results on the frontend.</a:t>
+            </a:r>
+            <a:endParaRPr lang="en-US" dirty="0"/>
+          </a:p>
+        </p:txBody>
+      </p:sp>
+      <p:sp>
+        <p:nvSpPr>
+          <p:cNvPr id="4" name="Slide Number Placeholder 3"/>
           <p:cNvSpPr>
             <a:spLocks noGrp="1"/>
           </p:cNvSpPr>
@@ -1148,20 +1418,23 @@
         <p:spPr/>
         <p:txBody>
           <a:bodyPr/>
-          <a:lstStyle>
-            <a:extLst/>
-          </a:lstStyle>
+          <a:lstStyle/>
           <a:p>
             <a:fld id="{CA5D3BF3-D352-46FC-8343-31F56E6730EA}" type="slidenum">
               <a:rPr lang="en-US" smtClean="0"/>
               <a:pPr/>
-              <a:t>6</a:t>
+              <a:t>5</a:t>
             </a:fld>
             <a:endParaRPr lang="en-US"/>
           </a:p>
         </p:txBody>
       </p:sp>
     </p:spTree>
+    <p:extLst>
+      <p:ext uri="{BB962C8B-B14F-4D97-AF65-F5344CB8AC3E}">
+        <p14:creationId xmlns:p14="http://schemas.microsoft.com/office/powerpoint/2010/main" val="3371781797"/>
+      </p:ext>
+    </p:extLst>
   </p:cSld>
   <p:clrMapOvr>
     <a:masterClrMapping/>
@@ -1239,7 +1512,7 @@
             <a:fld id="{CA5D3BF3-D352-46FC-8343-31F56E6730EA}" type="slidenum">
               <a:rPr lang="en-US" smtClean="0"/>
               <a:pPr/>
-              <a:t>7</a:t>
+              <a:t>6</a:t>
             </a:fld>
             <a:endParaRPr lang="en-US"/>
           </a:p>
@@ -1323,7 +1596,7 @@
             <a:fld id="{CA5D3BF3-D352-46FC-8343-31F56E6730EA}" type="slidenum">
               <a:rPr lang="en-US" smtClean="0"/>
               <a:pPr/>
-              <a:t>8</a:t>
+              <a:t>7</a:t>
             </a:fld>
             <a:endParaRPr lang="en-US"/>
           </a:p>
@@ -1407,7 +1680,7 @@
             <a:fld id="{CA5D3BF3-D352-46FC-8343-31F56E6730EA}" type="slidenum">
               <a:rPr lang="en-US" smtClean="0"/>
               <a:pPr/>
-              <a:t>9</a:t>
+              <a:t>8</a:t>
             </a:fld>
             <a:endParaRPr lang="en-US"/>
           </a:p>
@@ -1491,7 +1764,7 @@
             <a:fld id="{CA5D3BF3-D352-46FC-8343-31F56E6730EA}" type="slidenum">
               <a:rPr lang="en-US" smtClean="0"/>
               <a:pPr/>
-              <a:t>10</a:t>
+              <a:t>9</a:t>
             </a:fld>
             <a:endParaRPr lang="en-US"/>
           </a:p>
@@ -1776,7 +2049,7 @@
                 </a:solidFill>
               </a:rPr>
               <a:pPr algn="ctr"/>
-              <a:t>2/23/2024</a:t>
+              <a:t>2/24/2024</a:t>
             </a:fld>
             <a:endParaRPr lang="en-US" sz="2000" dirty="0">
               <a:solidFill>
@@ -1973,7 +2246,7 @@
             <a:fld id="{E4606EA6-EFEA-4C30-9264-4F9291A5780D}" type="datetime1">
               <a:rPr lang="en-US" smtClean="0"/>
               <a:pPr/>
-              <a:t>2/23/2024</a:t>
+              <a:t>2/24/2024</a:t>
             </a:fld>
             <a:endParaRPr lang="en-US"/>
           </a:p>
@@ -2404,7 +2677,7 @@
             <a:fld id="{6FCF9F07-3BC7-4570-B054-79111B0A380C}" type="datetime1">
               <a:rPr lang="en-US" smtClean="0"/>
               <a:pPr/>
-              <a:t>2/23/2024</a:t>
+              <a:t>2/24/2024</a:t>
             </a:fld>
             <a:endParaRPr lang="en-US"/>
           </a:p>
@@ -2668,7 +2941,7 @@
             <a:fld id="{E4606EA6-EFEA-4C30-9264-4F9291A5780D}" type="datetime1">
               <a:rPr lang="en-US" smtClean="0"/>
               <a:pPr/>
-              <a:t>2/23/2024</a:t>
+              <a:t>2/24/2024</a:t>
             </a:fld>
             <a:endParaRPr lang="en-US"/>
           </a:p>
@@ -2922,7 +3195,7 @@
             <a:fld id="{E4606EA6-EFEA-4C30-9264-4F9291A5780D}" type="datetime1">
               <a:rPr lang="en-US" smtClean="0"/>
               <a:pPr/>
-              <a:t>2/23/2024</a:t>
+              <a:t>2/24/2024</a:t>
             </a:fld>
             <a:endParaRPr lang="en-US"/>
           </a:p>
@@ -3134,7 +3407,7 @@
             <a:fld id="{6DFADB5D-B7A0-47E3-AD2D-B1A6F8614213}" type="datetime1">
               <a:rPr lang="en-US" smtClean="0"/>
               <a:pPr/>
-              <a:t>2/23/2024</a:t>
+              <a:t>2/24/2024</a:t>
             </a:fld>
             <a:endParaRPr lang="en-US"/>
           </a:p>
@@ -3247,7 +3520,7 @@
             <a:fld id="{72968126-03FC-49C0-B9B8-2B561CCC3D90}" type="datetime1">
               <a:rPr lang="en-US" smtClean="0"/>
               <a:pPr/>
-              <a:t>2/23/2024</a:t>
+              <a:t>2/24/2024</a:t>
             </a:fld>
             <a:endParaRPr lang="en-US"/>
           </a:p>
@@ -3399,7 +3672,7 @@
             <a:fld id="{F49A8198-4617-485E-9585-4840B69DBBA6}" type="datetime1">
               <a:rPr lang="en-US" smtClean="0"/>
               <a:pPr/>
-              <a:t>2/23/2024</a:t>
+              <a:t>2/24/2024</a:t>
             </a:fld>
             <a:endParaRPr lang="en-US"/>
           </a:p>
@@ -3987,7 +4260,7 @@
             <a:fld id="{E4606EA6-EFEA-4C30-9264-4F9291A5780D}" type="datetime1">
               <a:rPr lang="en-US" smtClean="0"/>
               <a:pPr/>
-              <a:t>2/23/2024</a:t>
+              <a:t>2/24/2024</a:t>
             </a:fld>
             <a:endParaRPr lang="en-US"/>
           </a:p>
@@ -4187,7 +4460,7 @@
             <a:fld id="{E4606EA6-EFEA-4C30-9264-4F9291A5780D}" type="datetime1">
               <a:rPr lang="en-US" smtClean="0"/>
               <a:pPr/>
-              <a:t>2/23/2024</a:t>
+              <a:t>2/24/2024</a:t>
             </a:fld>
             <a:endParaRPr lang="en-US" sz="1400" dirty="0">
               <a:solidFill>
@@ -4987,6 +5260,162 @@
 <file path=ppt/slides/slide11.xml><?xml version="1.0" encoding="utf-8"?>
 <p:sld xmlns:a="http://schemas.openxmlformats.org/drawingml/2006/main" xmlns:r="http://schemas.openxmlformats.org/officeDocument/2006/relationships" xmlns:p="http://schemas.openxmlformats.org/presentationml/2006/main">
   <p:cSld>
+    <p:spTree>
+      <p:nvGrpSpPr>
+        <p:cNvPr id="1" name=""/>
+        <p:cNvGrpSpPr/>
+        <p:nvPr/>
+      </p:nvGrpSpPr>
+      <p:grpSpPr>
+        <a:xfrm>
+          <a:off x="0" y="0"/>
+          <a:ext cx="0" cy="0"/>
+          <a:chOff x="0" y="0"/>
+          <a:chExt cx="0" cy="0"/>
+        </a:xfrm>
+      </p:grpSpPr>
+      <p:sp>
+        <p:nvSpPr>
+          <p:cNvPr id="2" name="Title 1"/>
+          <p:cNvSpPr>
+            <a:spLocks noGrp="1"/>
+          </p:cNvSpPr>
+          <p:nvPr>
+            <p:ph type="title"/>
+          </p:nvPr>
+        </p:nvSpPr>
+        <p:spPr/>
+        <p:txBody>
+          <a:bodyPr/>
+          <a:lstStyle/>
+          <a:p>
+            <a:r>
+              <a:rPr lang="en-US" dirty="0" smtClean="0"/>
+              <a:t>Lessons Learned</a:t>
+            </a:r>
+            <a:endParaRPr lang="en-US" dirty="0"/>
+          </a:p>
+        </p:txBody>
+      </p:sp>
+      <p:sp>
+        <p:nvSpPr>
+          <p:cNvPr id="5" name="AutoShape 4" descr="Computer Science | Departments &amp; Programs | College of Staten Island Website"/>
+          <p:cNvSpPr>
+            <a:spLocks noChangeAspect="1" noChangeArrowheads="1"/>
+          </p:cNvSpPr>
+          <p:nvPr/>
+        </p:nvSpPr>
+        <p:spPr bwMode="auto">
+          <a:xfrm>
+            <a:off x="155575" y="-144463"/>
+            <a:ext cx="304800" cy="304801"/>
+          </a:xfrm>
+          <a:prstGeom prst="rect">
+            <a:avLst/>
+          </a:prstGeom>
+          <a:noFill/>
+          <a:extLst>
+            <a:ext uri="{909E8E84-426E-40DD-AFC4-6F175D3DCCD1}">
+              <a14:hiddenFill xmlns:a14="http://schemas.microsoft.com/office/drawing/2010/main">
+                <a:solidFill>
+                  <a:srgbClr val="FFFFFF"/>
+                </a:solidFill>
+              </a14:hiddenFill>
+            </a:ext>
+          </a:extLst>
+        </p:spPr>
+        <p:txBody>
+          <a:bodyPr vert="horz" wrap="square" lIns="91440" tIns="45720" rIns="91440" bIns="45720" numCol="1" anchor="t" anchorCtr="0" compatLnSpc="1">
+            <a:prstTxWarp prst="textNoShape">
+              <a:avLst/>
+            </a:prstTxWarp>
+          </a:bodyPr>
+          <a:lstStyle/>
+          <a:p>
+            <a:endParaRPr lang="en-US"/>
+          </a:p>
+        </p:txBody>
+      </p:sp>
+      <p:pic>
+        <p:nvPicPr>
+          <p:cNvPr id="1029" name="Picture 5"/>
+          <p:cNvPicPr>
+            <a:picLocks noChangeAspect="1" noChangeArrowheads="1"/>
+          </p:cNvPicPr>
+          <p:nvPr/>
+        </p:nvPicPr>
+        <p:blipFill>
+          <a:blip r:embed="rId3">
+            <a:extLst>
+              <a:ext uri="{28A0092B-C50C-407E-A947-70E740481C1C}">
+                <a14:useLocalDpi xmlns:a14="http://schemas.microsoft.com/office/drawing/2010/main" val="0"/>
+              </a:ext>
+            </a:extLst>
+          </a:blip>
+          <a:srcRect/>
+          <a:stretch>
+            <a:fillRect/>
+          </a:stretch>
+        </p:blipFill>
+        <p:spPr bwMode="auto">
+          <a:xfrm>
+            <a:off x="-13252" y="1276350"/>
+            <a:ext cx="9157252" cy="3867150"/>
+          </a:xfrm>
+          <a:prstGeom prst="rect">
+            <a:avLst/>
+          </a:prstGeom>
+          <a:noFill/>
+          <a:ln>
+            <a:noFill/>
+          </a:ln>
+          <a:effectLst/>
+          <a:extLst>
+            <a:ext uri="{909E8E84-426E-40DD-AFC4-6F175D3DCCD1}">
+              <a14:hiddenFill xmlns:a14="http://schemas.microsoft.com/office/drawing/2010/main">
+                <a:solidFill>
+                  <a:schemeClr val="accent1"/>
+                </a:solidFill>
+              </a14:hiddenFill>
+            </a:ext>
+            <a:ext uri="{91240B29-F687-4F45-9708-019B960494DF}">
+              <a14:hiddenLine xmlns:a14="http://schemas.microsoft.com/office/drawing/2010/main" w="9525">
+                <a:solidFill>
+                  <a:schemeClr val="tx1"/>
+                </a:solidFill>
+                <a:miter lim="800000"/>
+                <a:headEnd/>
+                <a:tailEnd/>
+              </a14:hiddenLine>
+            </a:ext>
+            <a:ext uri="{AF507438-7753-43E0-B8FC-AC1667EBCBE1}">
+              <a14:hiddenEffects xmlns:a14="http://schemas.microsoft.com/office/drawing/2010/main">
+                <a:effectLst>
+                  <a:outerShdw dist="35921" dir="2700000" algn="ctr" rotWithShape="0">
+                    <a:schemeClr val="bg2"/>
+                  </a:outerShdw>
+                </a:effectLst>
+              </a14:hiddenEffects>
+            </a:ext>
+          </a:extLst>
+        </p:spPr>
+      </p:pic>
+    </p:spTree>
+    <p:extLst>
+      <p:ext uri="{BB962C8B-B14F-4D97-AF65-F5344CB8AC3E}">
+        <p14:creationId xmlns:p14="http://schemas.microsoft.com/office/powerpoint/2010/main" val="553316546"/>
+      </p:ext>
+    </p:extLst>
+  </p:cSld>
+  <p:clrMapOvr>
+    <a:masterClrMapping/>
+  </p:clrMapOvr>
+</p:sld>
+</file>
+
+<file path=ppt/slides/slide12.xml><?xml version="1.0" encoding="utf-8"?>
+<p:sld xmlns:a="http://schemas.openxmlformats.org/drawingml/2006/main" xmlns:r="http://schemas.openxmlformats.org/officeDocument/2006/relationships" xmlns:p="http://schemas.openxmlformats.org/presentationml/2006/main">
+  <p:cSld>
     <p:bg>
       <p:bgRef idx="1001">
         <a:schemeClr val="bg1"/>
@@ -5759,7 +6188,11 @@
             <a:pPr lvl="1"/>
             <a:r>
               <a:rPr lang="en-US" dirty="0" smtClean="0"/>
-              <a:t>More detailed responses</a:t>
+              <a:t>More detailed </a:t>
+            </a:r>
+            <a:r>
+              <a:rPr lang="en-US" dirty="0" smtClean="0"/>
+              <a:t>results</a:t>
             </a:r>
             <a:endParaRPr lang="en-US" dirty="0"/>
           </a:p>
